--- a/運勢占いアプリ.pptx
+++ b/運勢占いアプリ.pptx
@@ -112,6 +112,11 @@
       </a:defRPr>
     </a:lvl9pPr>
   </p:defaultTextStyle>
+  <p:extLst>
+    <p:ext uri="{EFAFB233-063F-42B5-8137-9DF3F51BA10A}">
+      <p15:sldGuideLst xmlns:p15="http://schemas.microsoft.com/office/powerpoint/2012/main"/>
+    </p:ext>
+  </p:extLst>
 </p:presentation>
 </file>
 
@@ -4202,6 +4207,32 @@
               <a:rPr lang="ja-JP" altLang="de-DE" sz="2400" dirty="0"/>
               <a:t>シンプルでわかり易く運勢を知ること</a:t>
             </a:r>
+            <a:endParaRPr lang="en-US" altLang="ja-JP" sz="2400" dirty="0"/>
+          </a:p>
+          <a:p>
+            <a:r>
+              <a:rPr lang="ja-JP" altLang="en-US" sz="2400" dirty="0"/>
+              <a:t>日本中の人々を幸せにしたい</a:t>
+            </a:r>
+            <a:endParaRPr lang="en-US" altLang="ja-JP" sz="2400" dirty="0"/>
+          </a:p>
+          <a:p>
+            <a:r>
+              <a:rPr lang="en-US" sz="2400" dirty="0"/>
+              <a:t>Python</a:t>
+            </a:r>
+            <a:r>
+              <a:rPr lang="ja-JP" altLang="en-US" sz="2400" dirty="0"/>
+              <a:t>を用いるので</a:t>
+            </a:r>
+            <a:r>
+              <a:rPr lang="en-US" altLang="ja-JP" sz="2400" dirty="0"/>
+              <a:t>web</a:t>
+            </a:r>
+            <a:r>
+              <a:rPr lang="ja-JP" altLang="en-US" sz="2400" dirty="0"/>
+              <a:t>スクレイピングを使ってみたい</a:t>
+            </a:r>
             <a:endParaRPr lang="de-DE" sz="2400" dirty="0"/>
           </a:p>
         </p:txBody>
